--- a/01_TEAM_DATA/C팀/C팀 4주차/4주차_7.2장, 7.3장, 7.4장_C팀_안동혁.pptx
+++ b/01_TEAM_DATA/C팀/C팀 4주차/4주차_7.2장, 7.3장, 7.4장_C팀_안동혁.pptx
@@ -5328,7 +5328,7 @@
                   <a:schemeClr val="bg1"/>
                 </a:solidFill>
               </a:rPr>
-              <a:t>하이파라미터를</a:t>
+              <a:t>하이퍼파라미터를</a:t>
             </a:r>
             <a:r>
               <a:rPr lang="ko-KR" altLang="en-US" sz="2000" dirty="0" smtClean="0">
@@ -5414,15 +5414,23 @@
                   <a:schemeClr val="bg1"/>
                 </a:solidFill>
               </a:rPr>
-              <a:t> 모델을 </a:t>
-            </a:r>
-            <a:r>
-              <a:rPr lang="ko-KR" altLang="en-US" sz="2000" dirty="0" err="1" smtClean="0">
-                <a:solidFill>
-                  <a:schemeClr val="bg1"/>
-                </a:solidFill>
-              </a:rPr>
-              <a:t>만듬</a:t>
+              <a:t> </a:t>
+            </a:r>
+            <a:r>
+              <a:rPr lang="ko-KR" altLang="en-US" sz="2000" smtClean="0">
+                <a:solidFill>
+                  <a:schemeClr val="bg1"/>
+                </a:solidFill>
+              </a:rPr>
+              <a:t>모델을 </a:t>
+            </a:r>
+            <a:r>
+              <a:rPr lang="ko-KR" altLang="en-US" sz="2000" smtClean="0">
+                <a:solidFill>
+                  <a:schemeClr val="bg1"/>
+                </a:solidFill>
+              </a:rPr>
+              <a:t>만듦</a:t>
             </a:r>
             <a:endParaRPr lang="en-US" altLang="ko-KR" sz="2000" dirty="0" smtClean="0">
               <a:solidFill>
@@ -5983,15 +5991,7 @@
                   <a:schemeClr val="bg1"/>
                 </a:solidFill>
               </a:rPr>
-              <a:t> </a:t>
-            </a:r>
-            <a:r>
-              <a:rPr lang="ko-KR" altLang="en-US" sz="2000" dirty="0" smtClean="0">
-                <a:solidFill>
-                  <a:schemeClr val="bg1"/>
-                </a:solidFill>
-              </a:rPr>
-              <a:t>얻은 검증 성능을 사용하여 다음 번에 시도할 </a:t>
+              <a:t> 얻은 검증 성능을 사용하여 다음 번에 시도할 </a:t>
             </a:r>
             <a:r>
               <a:rPr lang="ko-KR" altLang="en-US" sz="2000" dirty="0" err="1" smtClean="0">
@@ -8601,15 +8601,7 @@
                   <a:schemeClr val="bg1"/>
                 </a:solidFill>
               </a:rPr>
-              <a:t> </a:t>
-            </a:r>
-            <a:r>
-              <a:rPr lang="ko-KR" altLang="en-US" sz="2000" dirty="0" smtClean="0">
-                <a:solidFill>
-                  <a:schemeClr val="bg1"/>
-                </a:solidFill>
-              </a:rPr>
-              <a:t>▶ 모델 </a:t>
+              <a:t> ▶ 모델 </a:t>
             </a:r>
             <a:r>
               <a:rPr lang="en-US" altLang="ko-KR" sz="2000" dirty="0" smtClean="0">
@@ -10233,14 +10225,6 @@
               <a:buFont typeface="Arial" panose="020B0604020202020204" pitchFamily="34" charset="0"/>
               <a:buChar char="•"/>
             </a:pPr>
-            <a:r>
-              <a:rPr lang="ko-KR" altLang="en-US" sz="2000" dirty="0" err="1" smtClean="0">
-                <a:solidFill>
-                  <a:schemeClr val="bg1"/>
-                </a:solidFill>
-              </a:rPr>
-              <a:t>ㅇ</a:t>
-            </a:r>
             <a:endParaRPr lang="en-US" altLang="ko-KR" sz="2000" dirty="0" smtClean="0">
               <a:solidFill>
                 <a:schemeClr val="bg1"/>
